--- a/WFPS.pptx
+++ b/WFPS.pptx
@@ -5,15 +5,16 @@
     <p:sldMasterId id="2147483648" r:id="rId1"/>
   </p:sldMasterIdLst>
   <p:notesMasterIdLst>
-    <p:notesMasterId r:id="rId5"/>
+    <p:notesMasterId r:id="rId6"/>
   </p:notesMasterIdLst>
   <p:handoutMasterIdLst>
-    <p:handoutMasterId r:id="rId6"/>
+    <p:handoutMasterId r:id="rId7"/>
   </p:handoutMasterIdLst>
   <p:sldIdLst>
     <p:sldId id="281" r:id="rId2"/>
     <p:sldId id="283" r:id="rId3"/>
     <p:sldId id="285" r:id="rId4"/>
+    <p:sldId id="286" r:id="rId5"/>
   </p:sldIdLst>
   <p:sldSz cx="9144000" cy="6858000" type="screen4x3"/>
   <p:notesSz cx="6858000" cy="9144000"/>
@@ -228,7 +229,7 @@
             <a:fld id="{D83FDC75-7F73-4A4A-A77C-09AADF00E0EA}" type="datetimeFigureOut">
               <a:rPr lang="en-US" smtClean="0"/>
               <a:pPr/>
-              <a:t>3/10/2021</a:t>
+              <a:t>3/11/2021</a:t>
             </a:fld>
             <a:endParaRPr lang="en-US" dirty="0"/>
           </a:p>
@@ -395,7 +396,7 @@
             <a:fld id="{48AEF76B-3757-4A0B-AF93-28494465C1DD}" type="datetimeFigureOut">
               <a:rPr lang="en-US" smtClean="0"/>
               <a:pPr/>
-              <a:t>3/10/2021</a:t>
+              <a:t>3/11/2021</a:t>
             </a:fld>
             <a:endParaRPr lang="en-US" dirty="0"/>
           </a:p>
@@ -866,6 +867,119 @@
               <a:rPr lang="en-US" smtClean="0"/>
               <a:pPr/>
               <a:t>3</a:t>
+            </a:fld>
+            <a:endParaRPr lang="en-US"/>
+          </a:p>
+        </p:txBody>
+      </p:sp>
+    </p:spTree>
+    <p:extLst>
+      <p:ext uri="{BB962C8B-B14F-4D97-AF65-F5344CB8AC3E}">
+        <p14:creationId xmlns:p14="http://schemas.microsoft.com/office/powerpoint/2010/main" val="2028031022"/>
+      </p:ext>
+    </p:extLst>
+  </p:cSld>
+  <p:clrMapOvr>
+    <a:masterClrMapping/>
+  </p:clrMapOvr>
+</p:notes>
+</file>
+
+<file path=ppt/notesSlides/notesSlide3.xml><?xml version="1.0" encoding="utf-8"?>
+<p:notes xmlns:a="http://schemas.openxmlformats.org/drawingml/2006/main" xmlns:r="http://schemas.openxmlformats.org/officeDocument/2006/relationships" xmlns:p="http://schemas.openxmlformats.org/presentationml/2006/main">
+  <p:cSld>
+    <p:spTree>
+      <p:nvGrpSpPr>
+        <p:cNvPr id="1" name=""/>
+        <p:cNvGrpSpPr/>
+        <p:nvPr/>
+      </p:nvGrpSpPr>
+      <p:grpSpPr>
+        <a:xfrm>
+          <a:off x="0" y="0"/>
+          <a:ext cx="0" cy="0"/>
+          <a:chOff x="0" y="0"/>
+          <a:chExt cx="0" cy="0"/>
+        </a:xfrm>
+      </p:grpSpPr>
+      <p:sp>
+        <p:nvSpPr>
+          <p:cNvPr id="2" name="Slide Image Placeholder 1"/>
+          <p:cNvSpPr>
+            <a:spLocks noGrp="1" noRot="1" noChangeAspect="1"/>
+          </p:cNvSpPr>
+          <p:nvPr>
+            <p:ph type="sldImg"/>
+          </p:nvPr>
+        </p:nvSpPr>
+        <p:spPr/>
+      </p:sp>
+      <p:sp>
+        <p:nvSpPr>
+          <p:cNvPr id="3" name="Notes Placeholder 2"/>
+          <p:cNvSpPr>
+            <a:spLocks noGrp="1"/>
+          </p:cNvSpPr>
+          <p:nvPr>
+            <p:ph type="body" idx="1"/>
+          </p:nvPr>
+        </p:nvSpPr>
+        <p:spPr/>
+        <p:txBody>
+          <a:bodyPr/>
+          <a:lstStyle/>
+          <a:p>
+            <a:pPr marL="0" marR="0" indent="0" algn="l" defTabSz="914400" rtl="0" eaLnBrk="1" fontAlgn="auto" latinLnBrk="0" hangingPunct="1">
+              <a:lnSpc>
+                <a:spcPct val="100000"/>
+              </a:lnSpc>
+              <a:spcBef>
+                <a:spcPts val="0"/>
+              </a:spcBef>
+              <a:spcAft>
+                <a:spcPts val="0"/>
+              </a:spcAft>
+              <a:buClrTx/>
+              <a:buSzTx/>
+              <a:buFontTx/>
+              <a:buNone/>
+              <a:tabLst/>
+              <a:defRPr/>
+            </a:pPr>
+            <a:r>
+              <a:rPr lang="en-US" sz="1200" dirty="0"/>
+              <a:t>This is another option</a:t>
+            </a:r>
+            <a:r>
+              <a:rPr lang="en-US" sz="1200" baseline="0" dirty="0"/>
+              <a:t> for an Overview slides using transitions.</a:t>
+            </a:r>
+            <a:endParaRPr lang="en-US" sz="1200" dirty="0"/>
+          </a:p>
+          <a:p>
+            <a:endParaRPr lang="en-US" dirty="0"/>
+          </a:p>
+        </p:txBody>
+      </p:sp>
+      <p:sp>
+        <p:nvSpPr>
+          <p:cNvPr id="4" name="Slide Number Placeholder 3"/>
+          <p:cNvSpPr>
+            <a:spLocks noGrp="1"/>
+          </p:cNvSpPr>
+          <p:nvPr>
+            <p:ph type="sldNum" sz="quarter" idx="10"/>
+          </p:nvPr>
+        </p:nvSpPr>
+        <p:spPr/>
+        <p:txBody>
+          <a:bodyPr/>
+          <a:lstStyle/>
+          <a:p>
+            <a:fld id="{75693FD4-8F83-4EF7-AC3F-0DC0388986B0}" type="slidenum">
+              <a:rPr lang="en-US" smtClean="0"/>
+              <a:pPr/>
+              <a:t>4</a:t>
             </a:fld>
             <a:endParaRPr lang="en-US"/>
           </a:p>
@@ -1349,7 +1463,7 @@
             <a:fld id="{757B281C-5159-4971-8228-52B9A72E9ED2}" type="datetimeFigureOut">
               <a:rPr lang="en-US" smtClean="0"/>
               <a:pPr/>
-              <a:t>3/10/2021</a:t>
+              <a:t>3/11/2021</a:t>
             </a:fld>
             <a:endParaRPr lang="en-US" dirty="0"/>
           </a:p>
@@ -1444,7 +1558,7 @@
             <a:fld id="{757B281C-5159-4971-8228-52B9A72E9ED2}" type="datetimeFigureOut">
               <a:rPr lang="en-US" smtClean="0"/>
               <a:pPr/>
-              <a:t>3/10/2021</a:t>
+              <a:t>3/11/2021</a:t>
             </a:fld>
             <a:endParaRPr lang="en-US" dirty="0"/>
           </a:p>
@@ -1573,7 +1687,7 @@
             <a:fld id="{757B281C-5159-4971-8228-52B9A72E9ED2}" type="datetimeFigureOut">
               <a:rPr lang="en-US" smtClean="0"/>
               <a:pPr/>
-              <a:t>3/10/2021</a:t>
+              <a:t>3/11/2021</a:t>
             </a:fld>
             <a:endParaRPr lang="en-US" dirty="0"/>
           </a:p>
@@ -1771,7 +1885,7 @@
             <a:fld id="{757B281C-5159-4971-8228-52B9A72E9ED2}" type="datetimeFigureOut">
               <a:rPr lang="en-US" smtClean="0"/>
               <a:pPr/>
-              <a:t>3/10/2021</a:t>
+              <a:t>3/11/2021</a:t>
             </a:fld>
             <a:endParaRPr lang="en-US" dirty="0"/>
           </a:p>
@@ -2149,7 +2263,7 @@
             <a:fld id="{757B281C-5159-4971-8228-52B9A72E9ED2}" type="datetimeFigureOut">
               <a:rPr lang="en-US" smtClean="0"/>
               <a:pPr/>
-              <a:t>3/10/2021</a:t>
+              <a:t>3/11/2021</a:t>
             </a:fld>
             <a:endParaRPr lang="en-US" dirty="0"/>
           </a:p>
@@ -2439,7 +2553,7 @@
             <a:fld id="{757B281C-5159-4971-8228-52B9A72E9ED2}" type="datetimeFigureOut">
               <a:rPr lang="en-US" smtClean="0"/>
               <a:pPr/>
-              <a:t>3/10/2021</a:t>
+              <a:t>3/11/2021</a:t>
             </a:fld>
             <a:endParaRPr lang="en-US" dirty="0"/>
           </a:p>
@@ -2858,7 +2972,7 @@
             <a:fld id="{757B281C-5159-4971-8228-52B9A72E9ED2}" type="datetimeFigureOut">
               <a:rPr lang="en-US" smtClean="0"/>
               <a:pPr/>
-              <a:t>3/10/2021</a:t>
+              <a:t>3/11/2021</a:t>
             </a:fld>
             <a:endParaRPr lang="en-US" dirty="0"/>
           </a:p>
@@ -3133,7 +3247,7 @@
             <a:fld id="{757B281C-5159-4971-8228-52B9A72E9ED2}" type="datetimeFigureOut">
               <a:rPr lang="en-US" smtClean="0"/>
               <a:pPr/>
-              <a:t>3/10/2021</a:t>
+              <a:t>3/11/2021</a:t>
             </a:fld>
             <a:endParaRPr lang="en-US" dirty="0"/>
           </a:p>
@@ -3389,7 +3503,7 @@
             <a:fld id="{757B281C-5159-4971-8228-52B9A72E9ED2}" type="datetimeFigureOut">
               <a:rPr lang="en-US" smtClean="0"/>
               <a:pPr/>
-              <a:t>3/10/2021</a:t>
+              <a:t>3/11/2021</a:t>
             </a:fld>
             <a:endParaRPr lang="en-US" dirty="0"/>
           </a:p>
@@ -3557,7 +3671,7 @@
             <a:fld id="{757B281C-5159-4971-8228-52B9A72E9ED2}" type="datetimeFigureOut">
               <a:rPr lang="en-US" smtClean="0"/>
               <a:pPr/>
-              <a:t>3/10/2021</a:t>
+              <a:t>3/11/2021</a:t>
             </a:fld>
             <a:endParaRPr lang="en-US" dirty="0"/>
           </a:p>
@@ -3735,7 +3849,7 @@
             <a:fld id="{757B281C-5159-4971-8228-52B9A72E9ED2}" type="datetimeFigureOut">
               <a:rPr lang="en-US" smtClean="0"/>
               <a:pPr/>
-              <a:t>3/10/2021</a:t>
+              <a:t>3/11/2021</a:t>
             </a:fld>
             <a:endParaRPr lang="en-US" dirty="0"/>
           </a:p>
@@ -3977,7 +4091,7 @@
             <a:fld id="{757B281C-5159-4971-8228-52B9A72E9ED2}" type="datetimeFigureOut">
               <a:rPr lang="en-US" smtClean="0"/>
               <a:pPr/>
-              <a:t>3/10/2021</a:t>
+              <a:t>3/11/2021</a:t>
             </a:fld>
             <a:endParaRPr lang="en-US" dirty="0"/>
           </a:p>
@@ -7492,7 +7606,7 @@
           <a:lstStyle/>
           <a:p>
             <a:r>
-              <a:rPr lang="en-US" b="1" dirty="0">
+              <a:rPr lang="en-US" b="1" dirty="0" smtClean="0">
                 <a:solidFill>
                   <a:srgbClr val="0000FF"/>
                 </a:solidFill>
@@ -7500,12 +7614,12 @@
               <a:t>W</a:t>
             </a:r>
             <a:r>
-              <a:rPr lang="en-ID" b="1" dirty="0" err="1">
+              <a:rPr lang="en-ID" b="1" dirty="0" smtClean="0">
                 <a:solidFill>
                   <a:srgbClr val="0000FF"/>
                 </a:solidFill>
               </a:rPr>
-              <a:t>lFPS</a:t>
+              <a:t>FPS </a:t>
             </a:r>
             <a:r>
               <a:rPr lang="en-ID" b="1" dirty="0">
@@ -7513,7 +7627,7 @@
                   <a:srgbClr val="0000FF"/>
                 </a:solidFill>
               </a:rPr>
-              <a:t> – Wireless Fire Protection System</a:t>
+              <a:t>– Wireless Fire Protection System</a:t>
             </a:r>
             <a:endParaRPr lang="en-US" b="1" dirty="0">
               <a:solidFill>
@@ -9371,6 +9485,1169 @@
     <p:extLst>
       <p:ext uri="{BB962C8B-B14F-4D97-AF65-F5344CB8AC3E}">
         <p14:creationId xmlns:p14="http://schemas.microsoft.com/office/powerpoint/2010/main" val="1382895433"/>
+      </p:ext>
+    </p:extLst>
+  </p:cSld>
+  <p:clrMapOvr>
+    <a:masterClrMapping/>
+  </p:clrMapOvr>
+  <p:transition spd="slow">
+    <p:fade/>
+  </p:transition>
+</p:sld>
+</file>
+
+<file path=ppt/slides/slide4.xml><?xml version="1.0" encoding="utf-8"?>
+<p:sld xmlns:a="http://schemas.openxmlformats.org/drawingml/2006/main" xmlns:r="http://schemas.openxmlformats.org/officeDocument/2006/relationships" xmlns:p="http://schemas.openxmlformats.org/presentationml/2006/main" showMasterSp="0">
+  <p:cSld>
+    <p:spTree>
+      <p:nvGrpSpPr>
+        <p:cNvPr id="1" name=""/>
+        <p:cNvGrpSpPr/>
+        <p:nvPr/>
+      </p:nvGrpSpPr>
+      <p:grpSpPr>
+        <a:xfrm>
+          <a:off x="0" y="0"/>
+          <a:ext cx="0" cy="0"/>
+          <a:chOff x="0" y="0"/>
+          <a:chExt cx="0" cy="0"/>
+        </a:xfrm>
+      </p:grpSpPr>
+      <p:cxnSp>
+        <p:nvCxnSpPr>
+          <p:cNvPr id="82" name="Straight Arrow Connector 81"/>
+          <p:cNvCxnSpPr>
+            <a:cxnSpLocks/>
+            <a:endCxn id="96" idx="0"/>
+          </p:cNvCxnSpPr>
+          <p:nvPr/>
+        </p:nvCxnSpPr>
+        <p:spPr>
+          <a:xfrm>
+            <a:off x="3607108" y="1821731"/>
+            <a:ext cx="0" cy="383133"/>
+          </a:xfrm>
+          <a:prstGeom prst="straightConnector1">
+            <a:avLst/>
+          </a:prstGeom>
+          <a:ln w="25400">
+            <a:solidFill>
+              <a:srgbClr val="FF0000"/>
+            </a:solidFill>
+            <a:headEnd type="stealth"/>
+            <a:tailEnd type="stealth"/>
+          </a:ln>
+        </p:spPr>
+        <p:style>
+          <a:lnRef idx="1">
+            <a:schemeClr val="accent1"/>
+          </a:lnRef>
+          <a:fillRef idx="0">
+            <a:schemeClr val="accent1"/>
+          </a:fillRef>
+          <a:effectRef idx="0">
+            <a:schemeClr val="accent1"/>
+          </a:effectRef>
+          <a:fontRef idx="minor">
+            <a:schemeClr val="tx1"/>
+          </a:fontRef>
+        </p:style>
+      </p:cxnSp>
+      <p:sp>
+        <p:nvSpPr>
+          <p:cNvPr id="87" name="TextBox 86"/>
+          <p:cNvSpPr txBox="1"/>
+          <p:nvPr/>
+        </p:nvSpPr>
+        <p:spPr>
+          <a:xfrm>
+            <a:off x="2822675" y="1307792"/>
+            <a:ext cx="1749325" cy="646331"/>
+          </a:xfrm>
+          <a:prstGeom prst="rect">
+            <a:avLst/>
+          </a:prstGeom>
+          <a:noFill/>
+        </p:spPr>
+        <p:txBody>
+          <a:bodyPr wrap="none" rtlCol="0">
+            <a:spAutoFit/>
+          </a:bodyPr>
+          <a:lstStyle/>
+          <a:p>
+            <a:pPr algn="ctr"/>
+            <a:r>
+              <a:rPr lang="en-ID" b="1" dirty="0">
+                <a:solidFill>
+                  <a:srgbClr val="FF0000"/>
+                </a:solidFill>
+              </a:rPr>
+              <a:t>Server - Broker</a:t>
+            </a:r>
+          </a:p>
+          <a:p>
+            <a:r>
+              <a:rPr lang="en-ID" b="1" dirty="0">
+                <a:solidFill>
+                  <a:srgbClr val="FF0000"/>
+                </a:solidFill>
+              </a:rPr>
+              <a:t>MQTT - Protocol</a:t>
+            </a:r>
+            <a:endParaRPr lang="en-US" b="1" dirty="0">
+              <a:solidFill>
+                <a:srgbClr val="FF0000"/>
+              </a:solidFill>
+            </a:endParaRPr>
+          </a:p>
+        </p:txBody>
+      </p:sp>
+      <p:pic>
+        <p:nvPicPr>
+          <p:cNvPr id="96" name="Picture 95" descr="Free Icon | Wifi">
+            <a:extLst>
+              <a:ext uri="{FF2B5EF4-FFF2-40B4-BE49-F238E27FC236}">
+                <a16:creationId xmlns:a16="http://schemas.microsoft.com/office/drawing/2014/main" xmlns="" id="{331FC1AA-CB08-45A4-9369-2997329D73F4}"/>
+              </a:ext>
+            </a:extLst>
+          </p:cNvPr>
+          <p:cNvPicPr/>
+          <p:nvPr/>
+        </p:nvPicPr>
+        <p:blipFill>
+          <a:blip r:embed="rId3" cstate="email">
+            <a:extLst>
+              <a:ext uri="{28A0092B-C50C-407E-A947-70E740481C1C}">
+                <a14:useLocalDpi xmlns:a14="http://schemas.microsoft.com/office/drawing/2010/main" val="0"/>
+              </a:ext>
+            </a:extLst>
+          </a:blip>
+          <a:srcRect/>
+          <a:stretch>
+            <a:fillRect/>
+          </a:stretch>
+        </p:blipFill>
+        <p:spPr bwMode="auto">
+          <a:xfrm>
+            <a:off x="3416768" y="2204864"/>
+            <a:ext cx="380680" cy="412324"/>
+          </a:xfrm>
+          <a:prstGeom prst="rect">
+            <a:avLst/>
+          </a:prstGeom>
+          <a:noFill/>
+          <a:ln>
+            <a:noFill/>
+          </a:ln>
+        </p:spPr>
+      </p:pic>
+      <p:pic>
+        <p:nvPicPr>
+          <p:cNvPr id="97" name="Picture 96">
+            <a:extLst>
+              <a:ext uri="{FF2B5EF4-FFF2-40B4-BE49-F238E27FC236}">
+                <a16:creationId xmlns:a16="http://schemas.microsoft.com/office/drawing/2014/main" xmlns="" id="{D4CA772F-A72C-4314-A82A-E884D10E777D}"/>
+              </a:ext>
+            </a:extLst>
+          </p:cNvPr>
+          <p:cNvPicPr/>
+          <p:nvPr/>
+        </p:nvPicPr>
+        <p:blipFill>
+          <a:blip r:embed="rId4"/>
+          <a:stretch>
+            <a:fillRect/>
+          </a:stretch>
+        </p:blipFill>
+        <p:spPr>
+          <a:xfrm>
+            <a:off x="3351509" y="2495609"/>
+            <a:ext cx="568745" cy="736781"/>
+          </a:xfrm>
+          <a:prstGeom prst="rect">
+            <a:avLst/>
+          </a:prstGeom>
+        </p:spPr>
+      </p:pic>
+      <p:pic>
+        <p:nvPicPr>
+          <p:cNvPr id="98" name="Picture 97">
+            <a:extLst>
+              <a:ext uri="{FF2B5EF4-FFF2-40B4-BE49-F238E27FC236}">
+                <a16:creationId xmlns:a16="http://schemas.microsoft.com/office/drawing/2014/main" xmlns="" id="{9E085E1D-93F9-4E72-B98F-FB8F7028960D}"/>
+              </a:ext>
+            </a:extLst>
+          </p:cNvPr>
+          <p:cNvPicPr/>
+          <p:nvPr/>
+        </p:nvPicPr>
+        <p:blipFill>
+          <a:blip r:embed="rId5"/>
+          <a:stretch>
+            <a:fillRect/>
+          </a:stretch>
+        </p:blipFill>
+        <p:spPr>
+          <a:xfrm>
+            <a:off x="3089504" y="5333170"/>
+            <a:ext cx="497031" cy="499878"/>
+          </a:xfrm>
+          <a:prstGeom prst="rect">
+            <a:avLst/>
+          </a:prstGeom>
+        </p:spPr>
+      </p:pic>
+      <p:sp>
+        <p:nvSpPr>
+          <p:cNvPr id="101" name="TextBox 100">
+            <a:extLst>
+              <a:ext uri="{FF2B5EF4-FFF2-40B4-BE49-F238E27FC236}">
+                <a16:creationId xmlns:a16="http://schemas.microsoft.com/office/drawing/2014/main" xmlns="" id="{7FF2AF45-1BBB-4306-ABAF-8689BC85C815}"/>
+              </a:ext>
+            </a:extLst>
+          </p:cNvPr>
+          <p:cNvSpPr txBox="1"/>
+          <p:nvPr/>
+        </p:nvSpPr>
+        <p:spPr>
+          <a:xfrm>
+            <a:off x="3208431" y="5917835"/>
+            <a:ext cx="1752339" cy="369332"/>
+          </a:xfrm>
+          <a:prstGeom prst="rect">
+            <a:avLst/>
+          </a:prstGeom>
+          <a:noFill/>
+        </p:spPr>
+        <p:txBody>
+          <a:bodyPr wrap="none" rtlCol="0">
+            <a:spAutoFit/>
+          </a:bodyPr>
+          <a:lstStyle/>
+          <a:p>
+            <a:r>
+              <a:rPr lang="en-US" b="1" dirty="0">
+                <a:solidFill>
+                  <a:srgbClr val="0000FF"/>
+                </a:solidFill>
+              </a:rPr>
+              <a:t>Sensor/Actuator</a:t>
+            </a:r>
+          </a:p>
+        </p:txBody>
+      </p:sp>
+      <p:cxnSp>
+        <p:nvCxnSpPr>
+          <p:cNvPr id="103" name="Straight Connector 102">
+            <a:extLst>
+              <a:ext uri="{FF2B5EF4-FFF2-40B4-BE49-F238E27FC236}">
+                <a16:creationId xmlns:a16="http://schemas.microsoft.com/office/drawing/2014/main" xmlns="" id="{E865F506-39E6-412E-A252-A31428B8E040}"/>
+              </a:ext>
+            </a:extLst>
+          </p:cNvPr>
+          <p:cNvCxnSpPr>
+            <a:cxnSpLocks/>
+          </p:cNvCxnSpPr>
+          <p:nvPr/>
+        </p:nvCxnSpPr>
+        <p:spPr>
+          <a:xfrm>
+            <a:off x="3089504" y="4975138"/>
+            <a:ext cx="2078178" cy="0"/>
+          </a:xfrm>
+          <a:prstGeom prst="line">
+            <a:avLst/>
+          </a:prstGeom>
+          <a:ln w="22225">
+            <a:solidFill>
+              <a:srgbClr val="0000FF"/>
+            </a:solidFill>
+          </a:ln>
+        </p:spPr>
+        <p:style>
+          <a:lnRef idx="1">
+            <a:schemeClr val="accent1"/>
+          </a:lnRef>
+          <a:fillRef idx="0">
+            <a:schemeClr val="accent1"/>
+          </a:fillRef>
+          <a:effectRef idx="0">
+            <a:schemeClr val="accent1"/>
+          </a:effectRef>
+          <a:fontRef idx="minor">
+            <a:schemeClr val="tx1"/>
+          </a:fontRef>
+        </p:style>
+      </p:cxnSp>
+      <p:cxnSp>
+        <p:nvCxnSpPr>
+          <p:cNvPr id="110" name="Straight Arrow Connector 109">
+            <a:extLst>
+              <a:ext uri="{FF2B5EF4-FFF2-40B4-BE49-F238E27FC236}">
+                <a16:creationId xmlns:a16="http://schemas.microsoft.com/office/drawing/2014/main" xmlns="" id="{E8B958EE-5EE0-4808-BB5D-8AF84300BFB3}"/>
+              </a:ext>
+            </a:extLst>
+          </p:cNvPr>
+          <p:cNvCxnSpPr>
+            <a:cxnSpLocks/>
+          </p:cNvCxnSpPr>
+          <p:nvPr/>
+        </p:nvCxnSpPr>
+        <p:spPr>
+          <a:xfrm flipV="1">
+            <a:off x="4913142" y="4975138"/>
+            <a:ext cx="0" cy="432048"/>
+          </a:xfrm>
+          <a:prstGeom prst="straightConnector1">
+            <a:avLst/>
+          </a:prstGeom>
+          <a:ln w="22225">
+            <a:solidFill>
+              <a:srgbClr val="0000FF"/>
+            </a:solidFill>
+            <a:tailEnd type="triangle"/>
+          </a:ln>
+        </p:spPr>
+        <p:style>
+          <a:lnRef idx="1">
+            <a:schemeClr val="accent1"/>
+          </a:lnRef>
+          <a:fillRef idx="0">
+            <a:schemeClr val="accent1"/>
+          </a:fillRef>
+          <a:effectRef idx="0">
+            <a:schemeClr val="accent1"/>
+          </a:effectRef>
+          <a:fontRef idx="minor">
+            <a:schemeClr val="tx1"/>
+          </a:fontRef>
+        </p:style>
+      </p:cxnSp>
+      <p:cxnSp>
+        <p:nvCxnSpPr>
+          <p:cNvPr id="111" name="Straight Arrow Connector 110">
+            <a:extLst>
+              <a:ext uri="{FF2B5EF4-FFF2-40B4-BE49-F238E27FC236}">
+                <a16:creationId xmlns:a16="http://schemas.microsoft.com/office/drawing/2014/main" xmlns="" id="{701FA5EF-0179-41F2-B22D-FCC175001A48}"/>
+              </a:ext>
+            </a:extLst>
+          </p:cNvPr>
+          <p:cNvCxnSpPr>
+            <a:cxnSpLocks/>
+          </p:cNvCxnSpPr>
+          <p:nvPr/>
+        </p:nvCxnSpPr>
+        <p:spPr>
+          <a:xfrm flipV="1">
+            <a:off x="4638924" y="4975138"/>
+            <a:ext cx="0" cy="303290"/>
+          </a:xfrm>
+          <a:prstGeom prst="straightConnector1">
+            <a:avLst/>
+          </a:prstGeom>
+          <a:ln w="22225">
+            <a:solidFill>
+              <a:srgbClr val="0000FF"/>
+            </a:solidFill>
+            <a:tailEnd type="triangle"/>
+          </a:ln>
+        </p:spPr>
+        <p:style>
+          <a:lnRef idx="1">
+            <a:schemeClr val="accent1"/>
+          </a:lnRef>
+          <a:fillRef idx="0">
+            <a:schemeClr val="accent1"/>
+          </a:fillRef>
+          <a:effectRef idx="0">
+            <a:schemeClr val="accent1"/>
+          </a:effectRef>
+          <a:fontRef idx="minor">
+            <a:schemeClr val="tx1"/>
+          </a:fontRef>
+        </p:style>
+      </p:cxnSp>
+      <p:cxnSp>
+        <p:nvCxnSpPr>
+          <p:cNvPr id="112" name="Straight Arrow Connector 111">
+            <a:extLst>
+              <a:ext uri="{FF2B5EF4-FFF2-40B4-BE49-F238E27FC236}">
+                <a16:creationId xmlns:a16="http://schemas.microsoft.com/office/drawing/2014/main" xmlns="" id="{AF569078-F334-430B-8950-9BEB338AB6EA}"/>
+              </a:ext>
+            </a:extLst>
+          </p:cNvPr>
+          <p:cNvCxnSpPr>
+            <a:cxnSpLocks/>
+          </p:cNvCxnSpPr>
+          <p:nvPr/>
+        </p:nvCxnSpPr>
+        <p:spPr>
+          <a:xfrm flipV="1">
+            <a:off x="3990851" y="4975138"/>
+            <a:ext cx="1" cy="303290"/>
+          </a:xfrm>
+          <a:prstGeom prst="straightConnector1">
+            <a:avLst/>
+          </a:prstGeom>
+          <a:ln w="22225">
+            <a:solidFill>
+              <a:srgbClr val="0000FF"/>
+            </a:solidFill>
+            <a:tailEnd type="triangle"/>
+          </a:ln>
+        </p:spPr>
+        <p:style>
+          <a:lnRef idx="1">
+            <a:schemeClr val="accent1"/>
+          </a:lnRef>
+          <a:fillRef idx="0">
+            <a:schemeClr val="accent1"/>
+          </a:fillRef>
+          <a:effectRef idx="0">
+            <a:schemeClr val="accent1"/>
+          </a:effectRef>
+          <a:fontRef idx="minor">
+            <a:schemeClr val="tx1"/>
+          </a:fontRef>
+        </p:style>
+      </p:cxnSp>
+      <p:cxnSp>
+        <p:nvCxnSpPr>
+          <p:cNvPr id="113" name="Straight Arrow Connector 112">
+            <a:extLst>
+              <a:ext uri="{FF2B5EF4-FFF2-40B4-BE49-F238E27FC236}">
+                <a16:creationId xmlns:a16="http://schemas.microsoft.com/office/drawing/2014/main" xmlns="" id="{9894B322-EF50-40E0-8415-FD1EB8F34947}"/>
+              </a:ext>
+            </a:extLst>
+          </p:cNvPr>
+          <p:cNvCxnSpPr>
+            <a:cxnSpLocks/>
+          </p:cNvCxnSpPr>
+          <p:nvPr/>
+        </p:nvCxnSpPr>
+        <p:spPr>
+          <a:xfrm flipV="1">
+            <a:off x="3338020" y="4973130"/>
+            <a:ext cx="0" cy="303290"/>
+          </a:xfrm>
+          <a:prstGeom prst="straightConnector1">
+            <a:avLst/>
+          </a:prstGeom>
+          <a:ln w="22225">
+            <a:solidFill>
+              <a:srgbClr val="0000FF"/>
+            </a:solidFill>
+            <a:tailEnd type="triangle"/>
+          </a:ln>
+        </p:spPr>
+        <p:style>
+          <a:lnRef idx="1">
+            <a:schemeClr val="accent1"/>
+          </a:lnRef>
+          <a:fillRef idx="0">
+            <a:schemeClr val="accent1"/>
+          </a:fillRef>
+          <a:effectRef idx="0">
+            <a:schemeClr val="accent1"/>
+          </a:effectRef>
+          <a:fontRef idx="minor">
+            <a:schemeClr val="tx1"/>
+          </a:fontRef>
+        </p:style>
+      </p:cxnSp>
+      <p:sp>
+        <p:nvSpPr>
+          <p:cNvPr id="114" name="TextBox 113">
+            <a:extLst>
+              <a:ext uri="{FF2B5EF4-FFF2-40B4-BE49-F238E27FC236}">
+                <a16:creationId xmlns:a16="http://schemas.microsoft.com/office/drawing/2014/main" xmlns="" id="{E9064D73-DA84-45E4-878F-355289241361}"/>
+              </a:ext>
+            </a:extLst>
+          </p:cNvPr>
+          <p:cNvSpPr txBox="1"/>
+          <p:nvPr/>
+        </p:nvSpPr>
+        <p:spPr>
+          <a:xfrm>
+            <a:off x="3191194" y="4759114"/>
+            <a:ext cx="820096" cy="276999"/>
+          </a:xfrm>
+          <a:prstGeom prst="rect">
+            <a:avLst/>
+          </a:prstGeom>
+          <a:noFill/>
+        </p:spPr>
+        <p:txBody>
+          <a:bodyPr wrap="none" rtlCol="0">
+            <a:spAutoFit/>
+          </a:bodyPr>
+          <a:lstStyle/>
+          <a:p>
+            <a:r>
+              <a:rPr lang="en-US" sz="1200" dirty="0">
+                <a:solidFill>
+                  <a:srgbClr val="0000FF"/>
+                </a:solidFill>
+              </a:rPr>
+              <a:t>Hard Wire</a:t>
+            </a:r>
+          </a:p>
+        </p:txBody>
+      </p:sp>
+      <p:sp>
+        <p:nvSpPr>
+          <p:cNvPr id="115" name="Arrow: Down 114">
+            <a:extLst>
+              <a:ext uri="{FF2B5EF4-FFF2-40B4-BE49-F238E27FC236}">
+                <a16:creationId xmlns:a16="http://schemas.microsoft.com/office/drawing/2014/main" xmlns="" id="{8CFCE75F-7AA7-4BF3-B044-4770D3A70008}"/>
+              </a:ext>
+            </a:extLst>
+          </p:cNvPr>
+          <p:cNvSpPr/>
+          <p:nvPr/>
+        </p:nvSpPr>
+        <p:spPr>
+          <a:xfrm rot="10800000">
+            <a:off x="4011287" y="4596601"/>
+            <a:ext cx="432391" cy="325021"/>
+          </a:xfrm>
+          <a:prstGeom prst="downArrow">
+            <a:avLst/>
+          </a:prstGeom>
+          <a:noFill/>
+          <a:ln w="19050">
+            <a:solidFill>
+              <a:srgbClr val="0000FF"/>
+            </a:solidFill>
+          </a:ln>
+        </p:spPr>
+        <p:style>
+          <a:lnRef idx="2">
+            <a:schemeClr val="accent1">
+              <a:shade val="50000"/>
+            </a:schemeClr>
+          </a:lnRef>
+          <a:fillRef idx="1">
+            <a:schemeClr val="accent1"/>
+          </a:fillRef>
+          <a:effectRef idx="0">
+            <a:schemeClr val="accent1"/>
+          </a:effectRef>
+          <a:fontRef idx="minor">
+            <a:schemeClr val="lt1"/>
+          </a:fontRef>
+        </p:style>
+        <p:txBody>
+          <a:bodyPr rtlCol="0" anchor="ctr"/>
+          <a:lstStyle/>
+          <a:p>
+            <a:pPr algn="ctr"/>
+            <a:endParaRPr lang="en-ID"/>
+          </a:p>
+        </p:txBody>
+      </p:sp>
+      <p:cxnSp>
+        <p:nvCxnSpPr>
+          <p:cNvPr id="116" name="Straight Arrow Connector 115">
+            <a:extLst>
+              <a:ext uri="{FF2B5EF4-FFF2-40B4-BE49-F238E27FC236}">
+                <a16:creationId xmlns:a16="http://schemas.microsoft.com/office/drawing/2014/main" xmlns="" id="{8E0EBC89-8ED8-4F07-B552-FDDF03B2E41D}"/>
+              </a:ext>
+            </a:extLst>
+          </p:cNvPr>
+          <p:cNvCxnSpPr>
+            <a:cxnSpLocks/>
+            <a:endCxn id="97" idx="2"/>
+          </p:cNvCxnSpPr>
+          <p:nvPr/>
+        </p:nvCxnSpPr>
+        <p:spPr>
+          <a:xfrm flipH="1" flipV="1">
+            <a:off x="3635882" y="3232390"/>
+            <a:ext cx="448719" cy="598317"/>
+          </a:xfrm>
+          <a:prstGeom prst="straightConnector1">
+            <a:avLst/>
+          </a:prstGeom>
+          <a:ln w="22225">
+            <a:solidFill>
+              <a:srgbClr val="008000"/>
+            </a:solidFill>
+            <a:headEnd type="stealth"/>
+            <a:tailEnd type="stealth"/>
+          </a:ln>
+        </p:spPr>
+        <p:style>
+          <a:lnRef idx="1">
+            <a:schemeClr val="accent1"/>
+          </a:lnRef>
+          <a:fillRef idx="0">
+            <a:schemeClr val="accent1"/>
+          </a:fillRef>
+          <a:effectRef idx="0">
+            <a:schemeClr val="accent1"/>
+          </a:effectRef>
+          <a:fontRef idx="minor">
+            <a:schemeClr val="tx1"/>
+          </a:fontRef>
+        </p:style>
+      </p:cxnSp>
+      <p:sp>
+        <p:nvSpPr>
+          <p:cNvPr id="117" name="TextBox 116">
+            <a:extLst>
+              <a:ext uri="{FF2B5EF4-FFF2-40B4-BE49-F238E27FC236}">
+                <a16:creationId xmlns:a16="http://schemas.microsoft.com/office/drawing/2014/main" xmlns="" id="{DC4F584F-869A-4EC5-BD3F-B43D6F04B109}"/>
+              </a:ext>
+            </a:extLst>
+          </p:cNvPr>
+          <p:cNvSpPr txBox="1"/>
+          <p:nvPr/>
+        </p:nvSpPr>
+        <p:spPr>
+          <a:xfrm>
+            <a:off x="3031512" y="3347859"/>
+            <a:ext cx="820096" cy="461665"/>
+          </a:xfrm>
+          <a:prstGeom prst="rect">
+            <a:avLst/>
+          </a:prstGeom>
+          <a:noFill/>
+        </p:spPr>
+        <p:txBody>
+          <a:bodyPr wrap="none" rtlCol="0">
+            <a:spAutoFit/>
+          </a:bodyPr>
+          <a:lstStyle/>
+          <a:p>
+            <a:r>
+              <a:rPr lang="en-US" sz="1200" dirty="0">
+                <a:solidFill>
+                  <a:srgbClr val="008000"/>
+                </a:solidFill>
+              </a:rPr>
+              <a:t>Hard Wire</a:t>
+            </a:r>
+          </a:p>
+          <a:p>
+            <a:pPr algn="ctr"/>
+            <a:r>
+              <a:rPr lang="en-US" sz="1200" dirty="0">
+                <a:solidFill>
+                  <a:srgbClr val="008000"/>
+                </a:solidFill>
+              </a:rPr>
+              <a:t>Serial</a:t>
+            </a:r>
+          </a:p>
+        </p:txBody>
+      </p:sp>
+      <p:pic>
+        <p:nvPicPr>
+          <p:cNvPr id="118" name="Picture 2">
+            <a:extLst>
+              <a:ext uri="{FF2B5EF4-FFF2-40B4-BE49-F238E27FC236}">
+                <a16:creationId xmlns:a16="http://schemas.microsoft.com/office/drawing/2014/main" xmlns="" id="{7EAFE767-B908-419E-B4E7-05DAB402B5BB}"/>
+              </a:ext>
+            </a:extLst>
+          </p:cNvPr>
+          <p:cNvPicPr>
+            <a:picLocks noChangeAspect="1" noChangeArrowheads="1"/>
+          </p:cNvPicPr>
+          <p:nvPr/>
+        </p:nvPicPr>
+        <p:blipFill>
+          <a:blip r:embed="rId6" cstate="email">
+            <a:extLst>
+              <a:ext uri="{28A0092B-C50C-407E-A947-70E740481C1C}">
+                <a14:useLocalDpi xmlns:a14="http://schemas.microsoft.com/office/drawing/2010/main" val="0"/>
+              </a:ext>
+            </a:extLst>
+          </a:blip>
+          <a:srcRect/>
+          <a:stretch>
+            <a:fillRect/>
+          </a:stretch>
+        </p:blipFill>
+        <p:spPr bwMode="auto">
+          <a:xfrm rot="5400000">
+            <a:off x="4347857" y="5493168"/>
+            <a:ext cx="620765" cy="182647"/>
+          </a:xfrm>
+          <a:prstGeom prst="rect">
+            <a:avLst/>
+          </a:prstGeom>
+          <a:noFill/>
+          <a:ln>
+            <a:noFill/>
+          </a:ln>
+          <a:effectLst/>
+          <a:extLst>
+            <a:ext uri="{909E8E84-426E-40DD-AFC4-6F175D3DCCD1}">
+              <a14:hiddenFill xmlns:a14="http://schemas.microsoft.com/office/drawing/2010/main">
+                <a:solidFill>
+                  <a:schemeClr val="accent1"/>
+                </a:solidFill>
+              </a14:hiddenFill>
+            </a:ext>
+            <a:ext uri="{91240B29-F687-4F45-9708-019B960494DF}">
+              <a14:hiddenLine xmlns:a14="http://schemas.microsoft.com/office/drawing/2010/main" w="9525">
+                <a:solidFill>
+                  <a:schemeClr val="tx1"/>
+                </a:solidFill>
+                <a:miter lim="800000"/>
+                <a:headEnd/>
+                <a:tailEnd/>
+              </a14:hiddenLine>
+            </a:ext>
+            <a:ext uri="{AF507438-7753-43E0-B8FC-AC1667EBCBE1}">
+              <a14:hiddenEffects xmlns:a14="http://schemas.microsoft.com/office/drawing/2010/main">
+                <a:effectLst>
+                  <a:outerShdw dist="35921" dir="2700000" algn="ctr" rotWithShape="0">
+                    <a:schemeClr val="bg2"/>
+                  </a:outerShdw>
+                </a:effectLst>
+              </a14:hiddenEffects>
+            </a:ext>
+          </a:extLst>
+        </p:spPr>
+      </p:pic>
+      <p:grpSp>
+        <p:nvGrpSpPr>
+          <p:cNvPr id="13" name="Group 12">
+            <a:extLst>
+              <a:ext uri="{FF2B5EF4-FFF2-40B4-BE49-F238E27FC236}">
+                <a16:creationId xmlns:a16="http://schemas.microsoft.com/office/drawing/2014/main" xmlns="" id="{DD9AE47D-D12F-4154-BB04-4D3D34BE33AE}"/>
+              </a:ext>
+            </a:extLst>
+          </p:cNvPr>
+          <p:cNvGrpSpPr/>
+          <p:nvPr/>
+        </p:nvGrpSpPr>
+        <p:grpSpPr>
+          <a:xfrm>
+            <a:off x="4779909" y="5216573"/>
+            <a:ext cx="435079" cy="735835"/>
+            <a:chOff x="2159253" y="548680"/>
+            <a:chExt cx="408864" cy="1462350"/>
+          </a:xfrm>
+        </p:grpSpPr>
+        <p:pic>
+          <p:nvPicPr>
+            <p:cNvPr id="119" name="Picture 118">
+              <a:extLst>
+                <a:ext uri="{FF2B5EF4-FFF2-40B4-BE49-F238E27FC236}">
+                  <a16:creationId xmlns:a16="http://schemas.microsoft.com/office/drawing/2014/main" xmlns="" id="{8569128C-0619-4279-963D-AE7C028B50F8}"/>
+                </a:ext>
+              </a:extLst>
+            </p:cNvPr>
+            <p:cNvPicPr/>
+            <p:nvPr/>
+          </p:nvPicPr>
+          <p:blipFill>
+            <a:blip r:embed="rId7"/>
+            <a:stretch>
+              <a:fillRect/>
+            </a:stretch>
+          </p:blipFill>
+          <p:spPr>
+            <a:xfrm>
+              <a:off x="2159253" y="1044386"/>
+              <a:ext cx="402231" cy="463429"/>
+            </a:xfrm>
+            <a:prstGeom prst="rect">
+              <a:avLst/>
+            </a:prstGeom>
+          </p:spPr>
+        </p:pic>
+        <p:pic>
+          <p:nvPicPr>
+            <p:cNvPr id="120" name="Picture 119">
+              <a:extLst>
+                <a:ext uri="{FF2B5EF4-FFF2-40B4-BE49-F238E27FC236}">
+                  <a16:creationId xmlns:a16="http://schemas.microsoft.com/office/drawing/2014/main" xmlns="" id="{8B747FC8-E2F4-4A4F-A22C-CE38FE1C73EE}"/>
+                </a:ext>
+              </a:extLst>
+            </p:cNvPr>
+            <p:cNvPicPr/>
+            <p:nvPr/>
+          </p:nvPicPr>
+          <p:blipFill>
+            <a:blip r:embed="rId7"/>
+            <a:stretch>
+              <a:fillRect/>
+            </a:stretch>
+          </p:blipFill>
+          <p:spPr>
+            <a:xfrm>
+              <a:off x="2161663" y="548680"/>
+              <a:ext cx="402231" cy="463429"/>
+            </a:xfrm>
+            <a:prstGeom prst="rect">
+              <a:avLst/>
+            </a:prstGeom>
+          </p:spPr>
+        </p:pic>
+        <p:pic>
+          <p:nvPicPr>
+            <p:cNvPr id="121" name="Picture 120">
+              <a:extLst>
+                <a:ext uri="{FF2B5EF4-FFF2-40B4-BE49-F238E27FC236}">
+                  <a16:creationId xmlns:a16="http://schemas.microsoft.com/office/drawing/2014/main" xmlns="" id="{C5D34CA6-4297-482B-89D7-F88D49D89624}"/>
+                </a:ext>
+              </a:extLst>
+            </p:cNvPr>
+            <p:cNvPicPr/>
+            <p:nvPr/>
+          </p:nvPicPr>
+          <p:blipFill>
+            <a:blip r:embed="rId7"/>
+            <a:stretch>
+              <a:fillRect/>
+            </a:stretch>
+          </p:blipFill>
+          <p:spPr>
+            <a:xfrm>
+              <a:off x="2165886" y="1547601"/>
+              <a:ext cx="402231" cy="463429"/>
+            </a:xfrm>
+            <a:prstGeom prst="rect">
+              <a:avLst/>
+            </a:prstGeom>
+          </p:spPr>
+        </p:pic>
+      </p:grpSp>
+      <p:pic>
+        <p:nvPicPr>
+          <p:cNvPr id="122" name="Picture 121">
+            <a:extLst>
+              <a:ext uri="{FF2B5EF4-FFF2-40B4-BE49-F238E27FC236}">
+                <a16:creationId xmlns:a16="http://schemas.microsoft.com/office/drawing/2014/main" xmlns="" id="{B162C919-E530-41D0-B8DE-285A262718DC}"/>
+              </a:ext>
+            </a:extLst>
+          </p:cNvPr>
+          <p:cNvPicPr/>
+          <p:nvPr/>
+        </p:nvPicPr>
+        <p:blipFill>
+          <a:blip r:embed="rId8"/>
+          <a:stretch>
+            <a:fillRect/>
+          </a:stretch>
+        </p:blipFill>
+        <p:spPr>
+          <a:xfrm>
+            <a:off x="3645951" y="5306291"/>
+            <a:ext cx="737513" cy="573934"/>
+          </a:xfrm>
+          <a:prstGeom prst="rect">
+            <a:avLst/>
+          </a:prstGeom>
+        </p:spPr>
+      </p:pic>
+      <p:sp>
+        <p:nvSpPr>
+          <p:cNvPr id="171" name="TextBox 170">
+            <a:extLst>
+              <a:ext uri="{FF2B5EF4-FFF2-40B4-BE49-F238E27FC236}">
+                <a16:creationId xmlns:a16="http://schemas.microsoft.com/office/drawing/2014/main" xmlns="" id="{D3D2C1E7-A24B-4E4F-9338-4E3CC945B96E}"/>
+              </a:ext>
+            </a:extLst>
+          </p:cNvPr>
+          <p:cNvSpPr txBox="1"/>
+          <p:nvPr/>
+        </p:nvSpPr>
+        <p:spPr>
+          <a:xfrm>
+            <a:off x="2305167" y="332656"/>
+            <a:ext cx="3110147" cy="830997"/>
+          </a:xfrm>
+          <a:prstGeom prst="rect">
+            <a:avLst/>
+          </a:prstGeom>
+          <a:noFill/>
+        </p:spPr>
+        <p:txBody>
+          <a:bodyPr wrap="none" rtlCol="0">
+            <a:spAutoFit/>
+          </a:bodyPr>
+          <a:lstStyle/>
+          <a:p>
+            <a:r>
+              <a:rPr lang="en-US" sz="2400" b="1" dirty="0" err="1">
+                <a:solidFill>
+                  <a:srgbClr val="0000FF"/>
+                </a:solidFill>
+              </a:rPr>
+              <a:t>EoN</a:t>
+            </a:r>
+            <a:r>
+              <a:rPr lang="en-US" sz="2400" b="1" dirty="0">
+                <a:solidFill>
+                  <a:srgbClr val="0000FF"/>
+                </a:solidFill>
+              </a:rPr>
+              <a:t> – Edge of </a:t>
+            </a:r>
+            <a:r>
+              <a:rPr lang="en-US" sz="2400" b="1" dirty="0" smtClean="0">
+                <a:solidFill>
+                  <a:srgbClr val="0000FF"/>
+                </a:solidFill>
+              </a:rPr>
+              <a:t>Network</a:t>
+            </a:r>
+          </a:p>
+          <a:p>
+            <a:pPr algn="ctr"/>
+            <a:r>
+              <a:rPr lang="en-ID" sz="2400" b="1" dirty="0" smtClean="0">
+                <a:solidFill>
+                  <a:srgbClr val="0000FF"/>
+                </a:solidFill>
+              </a:rPr>
+              <a:t>c/w Local Panel</a:t>
+            </a:r>
+            <a:endParaRPr lang="en-US" sz="2400" b="1" dirty="0">
+              <a:solidFill>
+                <a:srgbClr val="0000FF"/>
+              </a:solidFill>
+            </a:endParaRPr>
+          </a:p>
+        </p:txBody>
+      </p:sp>
+      <p:sp>
+        <p:nvSpPr>
+          <p:cNvPr id="89" name="TextBox 88">
+            <a:extLst>
+              <a:ext uri="{FF2B5EF4-FFF2-40B4-BE49-F238E27FC236}">
+                <a16:creationId xmlns:a16="http://schemas.microsoft.com/office/drawing/2014/main" xmlns="" id="{FD499B9D-6F6A-48F3-A26C-7095543087F4}"/>
+              </a:ext>
+            </a:extLst>
+          </p:cNvPr>
+          <p:cNvSpPr txBox="1"/>
+          <p:nvPr/>
+        </p:nvSpPr>
+        <p:spPr>
+          <a:xfrm>
+            <a:off x="3922966" y="2366513"/>
+            <a:ext cx="1220014" cy="1200329"/>
+          </a:xfrm>
+          <a:prstGeom prst="rect">
+            <a:avLst/>
+          </a:prstGeom>
+          <a:noFill/>
+        </p:spPr>
+        <p:txBody>
+          <a:bodyPr wrap="none" rtlCol="0">
+            <a:spAutoFit/>
+          </a:bodyPr>
+          <a:lstStyle/>
+          <a:p>
+            <a:pPr algn="ctr"/>
+            <a:r>
+              <a:rPr lang="en-ID" b="1" dirty="0">
+                <a:solidFill>
+                  <a:srgbClr val="0000FF"/>
+                </a:solidFill>
+              </a:rPr>
+              <a:t>ZONE-2</a:t>
+            </a:r>
+          </a:p>
+          <a:p>
+            <a:pPr algn="ctr"/>
+            <a:r>
+              <a:rPr lang="en-ID" b="1" dirty="0" err="1">
+                <a:solidFill>
+                  <a:srgbClr val="0000FF"/>
+                </a:solidFill>
+              </a:rPr>
+              <a:t>Wemos</a:t>
+            </a:r>
+            <a:r>
+              <a:rPr lang="en-ID" b="1" dirty="0">
+                <a:solidFill>
+                  <a:srgbClr val="0000FF"/>
+                </a:solidFill>
+              </a:rPr>
+              <a:t> D1</a:t>
+            </a:r>
+          </a:p>
+          <a:p>
+            <a:pPr algn="ctr"/>
+            <a:r>
+              <a:rPr lang="en-ID" b="1" dirty="0" err="1">
+                <a:solidFill>
+                  <a:srgbClr val="0000FF"/>
+                </a:solidFill>
+              </a:rPr>
+              <a:t>EoN</a:t>
+            </a:r>
+            <a:endParaRPr lang="en-US" b="1" dirty="0">
+              <a:solidFill>
+                <a:srgbClr val="0000FF"/>
+              </a:solidFill>
+            </a:endParaRPr>
+          </a:p>
+          <a:p>
+            <a:pPr algn="ctr"/>
+            <a:endParaRPr lang="en-US" b="1" dirty="0">
+              <a:solidFill>
+                <a:srgbClr val="0000FF"/>
+              </a:solidFill>
+            </a:endParaRPr>
+          </a:p>
+        </p:txBody>
+      </p:sp>
+      <p:sp>
+        <p:nvSpPr>
+          <p:cNvPr id="27" name="TextBox 26">
+            <a:extLst>
+              <a:ext uri="{FF2B5EF4-FFF2-40B4-BE49-F238E27FC236}">
+                <a16:creationId xmlns:a16="http://schemas.microsoft.com/office/drawing/2014/main" xmlns="" id="{B250D357-4F1F-4D5E-88FD-1C5A02A91117}"/>
+              </a:ext>
+            </a:extLst>
+          </p:cNvPr>
+          <p:cNvSpPr txBox="1"/>
+          <p:nvPr/>
+        </p:nvSpPr>
+        <p:spPr>
+          <a:xfrm>
+            <a:off x="4011471" y="3356992"/>
+            <a:ext cx="1095493" cy="461665"/>
+          </a:xfrm>
+          <a:prstGeom prst="rect">
+            <a:avLst/>
+          </a:prstGeom>
+          <a:noFill/>
+        </p:spPr>
+        <p:txBody>
+          <a:bodyPr wrap="none" rtlCol="0">
+            <a:spAutoFit/>
+          </a:bodyPr>
+          <a:lstStyle/>
+          <a:p>
+            <a:pPr algn="ctr"/>
+            <a:r>
+              <a:rPr lang="en-US" sz="1200" b="1" dirty="0" err="1">
+                <a:solidFill>
+                  <a:srgbClr val="0000FF"/>
+                </a:solidFill>
+              </a:rPr>
+              <a:t>Arduino</a:t>
+            </a:r>
+            <a:r>
+              <a:rPr lang="en-US" sz="1200" b="1" dirty="0">
+                <a:solidFill>
+                  <a:srgbClr val="0000FF"/>
+                </a:solidFill>
+              </a:rPr>
+              <a:t> </a:t>
+            </a:r>
+            <a:r>
+              <a:rPr lang="en-US" sz="1200" b="1" dirty="0" smtClean="0">
+                <a:solidFill>
+                  <a:srgbClr val="0000FF"/>
+                </a:solidFill>
+              </a:rPr>
+              <a:t>Mega</a:t>
+            </a:r>
+          </a:p>
+          <a:p>
+            <a:pPr algn="ctr"/>
+            <a:r>
+              <a:rPr lang="en-ID" sz="1200" b="1" dirty="0" err="1" smtClean="0">
+                <a:solidFill>
+                  <a:srgbClr val="0000FF"/>
+                </a:solidFill>
+              </a:rPr>
+              <a:t>Lcd</a:t>
+            </a:r>
+            <a:r>
+              <a:rPr lang="en-ID" sz="1200" b="1" dirty="0" smtClean="0">
+                <a:solidFill>
+                  <a:srgbClr val="0000FF"/>
+                </a:solidFill>
+              </a:rPr>
+              <a:t> Keypad</a:t>
+            </a:r>
+            <a:endParaRPr lang="en-US" sz="1200" b="1" dirty="0">
+              <a:solidFill>
+                <a:srgbClr val="0000FF"/>
+              </a:solidFill>
+            </a:endParaRPr>
+          </a:p>
+        </p:txBody>
+      </p:sp>
+      <p:pic>
+        <p:nvPicPr>
+          <p:cNvPr id="1026" name="Picture 2"/>
+          <p:cNvPicPr>
+            <a:picLocks noChangeAspect="1" noChangeArrowheads="1"/>
+          </p:cNvPicPr>
+          <p:nvPr/>
+        </p:nvPicPr>
+        <p:blipFill>
+          <a:blip r:embed="rId9" cstate="email">
+            <a:extLst>
+              <a:ext uri="{28A0092B-C50C-407E-A947-70E740481C1C}">
+                <a14:useLocalDpi xmlns:a14="http://schemas.microsoft.com/office/drawing/2010/main" val="0"/>
+              </a:ext>
+            </a:extLst>
+          </a:blip>
+          <a:srcRect/>
+          <a:stretch>
+            <a:fillRect/>
+          </a:stretch>
+        </p:blipFill>
+        <p:spPr bwMode="auto">
+          <a:xfrm>
+            <a:off x="3481104" y="3880134"/>
+            <a:ext cx="1378928" cy="700994"/>
+          </a:xfrm>
+          <a:prstGeom prst="rect">
+            <a:avLst/>
+          </a:prstGeom>
+          <a:noFill/>
+          <a:ln>
+            <a:noFill/>
+          </a:ln>
+          <a:effectLst/>
+          <a:extLst>
+            <a:ext uri="{909E8E84-426E-40DD-AFC4-6F175D3DCCD1}">
+              <a14:hiddenFill xmlns:a14="http://schemas.microsoft.com/office/drawing/2010/main">
+                <a:solidFill>
+                  <a:schemeClr val="accent1"/>
+                </a:solidFill>
+              </a14:hiddenFill>
+            </a:ext>
+            <a:ext uri="{91240B29-F687-4F45-9708-019B960494DF}">
+              <a14:hiddenLine xmlns:a14="http://schemas.microsoft.com/office/drawing/2010/main" w="9525">
+                <a:solidFill>
+                  <a:schemeClr val="tx1"/>
+                </a:solidFill>
+                <a:miter lim="800000"/>
+                <a:headEnd/>
+                <a:tailEnd/>
+              </a14:hiddenLine>
+            </a:ext>
+            <a:ext uri="{AF507438-7753-43E0-B8FC-AC1667EBCBE1}">
+              <a14:hiddenEffects xmlns:a14="http://schemas.microsoft.com/office/drawing/2010/main">
+                <a:effectLst>
+                  <a:outerShdw dist="35921" dir="2700000" algn="ctr" rotWithShape="0">
+                    <a:schemeClr val="bg2"/>
+                  </a:outerShdw>
+                </a:effectLst>
+              </a14:hiddenEffects>
+            </a:ext>
+          </a:extLst>
+        </p:spPr>
+      </p:pic>
+    </p:spTree>
+    <p:extLst>
+      <p:ext uri="{BB962C8B-B14F-4D97-AF65-F5344CB8AC3E}">
+        <p14:creationId xmlns:p14="http://schemas.microsoft.com/office/powerpoint/2010/main" val="2646589709"/>
       </p:ext>
     </p:extLst>
   </p:cSld>
